--- a/Examples/Data/Charts/GapWidth_out.pptx
+++ b/Examples/Data/Charts/GapWidth_out.pptx
@@ -1,6 +1,6 @@
 
 <file path=ppt/presentation.xml><?xml version="1.0" encoding="utf-8"?>
-<!--Generated by Aspose.Slides for .NET 19.6-->
+<!--Generated by Aspose.Slides for .NET 21.12-->
 <p:presentation xmlns:r="http://schemas.openxmlformats.org/officeDocument/2006/relationships" xmlns:a="http://schemas.openxmlformats.org/drawingml/2006/main" xmlns:p="http://schemas.openxmlformats.org/presentationml/2006/main" saveSubsetFonts="1">
   <p:sldMasterIdLst>
     <p:sldMasterId id="2147483648" r:id="rId1"/>
@@ -112,7 +112,7 @@
 </file>
 
 <file path=ppt/charts/chart1.xml><?xml version="1.0" encoding="utf-8"?>
-<c:chartSpace xmlns:a="http://schemas.openxmlformats.org/drawingml/2006/main" xmlns:r="http://schemas.openxmlformats.org/officeDocument/2006/relationships" xmlns:c="http://schemas.openxmlformats.org/drawingml/2006/chart">
+<c:chartSpace xmlns:a="http://schemas.openxmlformats.org/drawingml/2006/main" xmlns:r="http://schemas.openxmlformats.org/officeDocument/2006/relationships" xmlns:m="http://schemas.openxmlformats.org/officeDocument/2006/math" xmlns:w="http://schemas.openxmlformats.org/wordprocessingml/2006/main" xmlns:wp="http://schemas.openxmlformats.org/drawingml/2006/wordprocessingDrawing" xmlns:a14="http://schemas.microsoft.com/office/drawing/2010/main" xmlns:c="http://schemas.openxmlformats.org/drawingml/2006/chart">
   <c:date1904 val="0"/>
   <c:lang val="ru-RU"/>
   <c:roundedCorners val="0"/>
@@ -148,7 +148,7 @@
           <c:invertIfNegative val="1"/>
           <c:cat>
             <c:strRef>
-              <c:f>Sheet1!$A$2,Sheet1!$A$3,Sheet1!$A$4,Sheet1!$A$5,Sheet1!$A$2,Sheet1!$A$3,Sheet1!$A$4</c:f>
+              <c:f>Sheet1!$A$2;Sheet1!$A$3;Sheet1!$A$4;Sheet1!$A$5;Sheet1!$A$2;Sheet1!$A$3;Sheet1!$A$4</c:f>
               <c:strCache>
                 <c:ptCount val="7"/>
                 <c:pt idx="0">
@@ -214,7 +214,7 @@
           <c:invertIfNegative val="1"/>
           <c:cat>
             <c:strRef>
-              <c:f>Sheet1!$A$2,Sheet1!$A$3,Sheet1!$A$4,Sheet1!$A$5,Sheet1!$A$2,Sheet1!$A$3,Sheet1!$A$4</c:f>
+              <c:f>Sheet1!$A$2;Sheet1!$A$3;Sheet1!$A$4;Sheet1!$A$5;Sheet1!$A$2;Sheet1!$A$3;Sheet1!$A$4</c:f>
               <c:strCache>
                 <c:ptCount val="7"/>
                 <c:pt idx="0">
@@ -243,7 +243,7 @@
           </c:cat>
           <c:val>
             <c:numRef>
-              <c:f>Sheet1!$C$2,Sheet1!$C$3,Sheet1!$C$4,Sheet1!$C$5,Sheet1!$B$2,Sheet1!$B$3,Sheet1!$B$4,Sheet1!$C$2,Sheet1!$C$3,Sheet1!$C$4</c:f>
+              <c:f>Sheet1!$C$2;Sheet1!$C$3;Sheet1!$C$4;Sheet1!$C$5;Sheet1!$B$2;Sheet1!$B$3;Sheet1!$B$4;Sheet1!$C$2;Sheet1!$C$3;Sheet1!$C$4</c:f>
               <c:numCache>
                 <c:formatCode>General</c:formatCode>
                 <c:ptCount val="10"/>
@@ -298,7 +298,7 @@
           <c:invertIfNegative val="1"/>
           <c:cat>
             <c:strRef>
-              <c:f>Sheet1!$A$2,Sheet1!$A$3,Sheet1!$A$4,Sheet1!$A$5,Sheet1!$A$2,Sheet1!$A$3,Sheet1!$A$4</c:f>
+              <c:f>Sheet1!$A$2;Sheet1!$A$3;Sheet1!$A$4;Sheet1!$A$5;Sheet1!$A$2;Sheet1!$A$3;Sheet1!$A$4</c:f>
               <c:strCache>
                 <c:ptCount val="7"/>
                 <c:pt idx="0">
@@ -416,11 +416,11 @@
 </file>
 
 <file path=ppt/slideLayouts/slideLayout1.xml><?xml version="1.0" encoding="utf-8"?>
-<p:sldLayout xmlns:a="http://schemas.openxmlformats.org/drawingml/2006/main" xmlns:r="http://schemas.openxmlformats.org/officeDocument/2006/relationships" xmlns:p14="http://schemas.microsoft.com/office/powerpoint/2010/main" xmlns:a14="http://schemas.microsoft.com/office/drawing/2010/main" xmlns:p15="http://schemas.microsoft.com/office/powerpoint/2012/main" xmlns:p159="http://schemas.microsoft.com/office/powerpoint/2015/09/main" xmlns:p="http://schemas.openxmlformats.org/presentationml/2006/main" type="title" preserve="1">
+<p:sldLayout xmlns:a="http://schemas.openxmlformats.org/drawingml/2006/main" xmlns:r="http://schemas.openxmlformats.org/officeDocument/2006/relationships" xmlns:m="http://schemas.openxmlformats.org/officeDocument/2006/math" xmlns:w="http://schemas.openxmlformats.org/wordprocessingml/2006/main" xmlns:wp="http://schemas.openxmlformats.org/drawingml/2006/wordprocessingDrawing" xmlns:a14="http://schemas.microsoft.com/office/drawing/2010/main" xmlns:mc="http://schemas.openxmlformats.org/markup-compatibility/2006" xmlns:p14="http://schemas.microsoft.com/office/powerpoint/2010/main" xmlns:p15="http://schemas.microsoft.com/office/powerpoint/2012/main" xmlns:p159="http://schemas.microsoft.com/office/powerpoint/2015/09/main" xmlns:p="http://schemas.openxmlformats.org/presentationml/2006/main" type="title" preserve="1">
   <p:cSld name="Title Slide">
     <p:spTree>
       <p:nvGrpSpPr>
-        <p:cNvPr id="1" name=""/>
+        <p:cNvPr id="1" name="" title=""/>
         <p:cNvGrpSpPr/>
         <p:nvPr/>
       </p:nvGrpSpPr>
@@ -432,7 +432,7 @@
       </p:grpSpPr>
       <p:sp>
         <p:nvSpPr>
-          <p:cNvPr id="2" name="Title 1"/>
+          <p:cNvPr id="2" name="Title 1" title=""/>
           <p:cNvSpPr>
             <a:spLocks noGrp="1"/>
           </p:cNvSpPr>
@@ -455,7 +455,7 @@
       </p:sp>
       <p:sp>
         <p:nvSpPr>
-          <p:cNvPr id="3" name="Subtitle 2"/>
+          <p:cNvPr id="3" name="Subtitle 2" title=""/>
           <p:cNvSpPr>
             <a:spLocks noGrp="1"/>
           </p:cNvSpPr>
@@ -569,7 +569,7 @@
       </p:sp>
       <p:sp>
         <p:nvSpPr>
-          <p:cNvPr id="4" name="Date Placeholder 3"/>
+          <p:cNvPr id="4" name="Date Placeholder 3" title=""/>
           <p:cNvSpPr>
             <a:spLocks noGrp="1"/>
           </p:cNvSpPr>
@@ -582,7 +582,7 @@
           <a:bodyPr/>
           <a:lstStyle/>
           <a:p>
-            <a:fld id="{E0655D6E-81F0-4B73-8DB7-9A7DCB1D24F6}" type="datetimeFigureOut">
+            <a:fld id="{0D4AABDA-9876-4DEF-8B6E-4649D7B78B75}" type="datetimeFigureOut">
               <a:rPr lang="en-US" smtClean="0"/>
               <a:t>11/7/2009</a:t>
             </a:fld>
@@ -592,7 +592,7 @@
       </p:sp>
       <p:sp>
         <p:nvSpPr>
-          <p:cNvPr id="5" name="Footer Placeholder 4"/>
+          <p:cNvPr id="5" name="Footer Placeholder 4" title=""/>
           <p:cNvSpPr>
             <a:spLocks noGrp="1"/>
           </p:cNvSpPr>
@@ -611,7 +611,7 @@
       </p:sp>
       <p:sp>
         <p:nvSpPr>
-          <p:cNvPr id="6" name="Slide Number Placeholder 5"/>
+          <p:cNvPr id="6" name="Slide Number Placeholder 5" title=""/>
           <p:cNvSpPr>
             <a:spLocks noGrp="1"/>
           </p:cNvSpPr>
@@ -643,11 +643,11 @@
 </file>
 
 <file path=ppt/slideLayouts/slideLayout10.xml><?xml version="1.0" encoding="utf-8"?>
-<p:sldLayout xmlns:a="http://schemas.openxmlformats.org/drawingml/2006/main" xmlns:r="http://schemas.openxmlformats.org/officeDocument/2006/relationships" xmlns:p14="http://schemas.microsoft.com/office/powerpoint/2010/main" xmlns:a14="http://schemas.microsoft.com/office/drawing/2010/main" xmlns:p15="http://schemas.microsoft.com/office/powerpoint/2012/main" xmlns:p159="http://schemas.microsoft.com/office/powerpoint/2015/09/main" xmlns:p="http://schemas.openxmlformats.org/presentationml/2006/main" type="vertTx" preserve="1">
+<p:sldLayout xmlns:a="http://schemas.openxmlformats.org/drawingml/2006/main" xmlns:r="http://schemas.openxmlformats.org/officeDocument/2006/relationships" xmlns:m="http://schemas.openxmlformats.org/officeDocument/2006/math" xmlns:w="http://schemas.openxmlformats.org/wordprocessingml/2006/main" xmlns:wp="http://schemas.openxmlformats.org/drawingml/2006/wordprocessingDrawing" xmlns:a14="http://schemas.microsoft.com/office/drawing/2010/main" xmlns:mc="http://schemas.openxmlformats.org/markup-compatibility/2006" xmlns:p14="http://schemas.microsoft.com/office/powerpoint/2010/main" xmlns:p15="http://schemas.microsoft.com/office/powerpoint/2012/main" xmlns:p159="http://schemas.microsoft.com/office/powerpoint/2015/09/main" xmlns:p="http://schemas.openxmlformats.org/presentationml/2006/main" type="vertTx" preserve="1">
   <p:cSld name="Title and Vertical Text">
     <p:spTree>
       <p:nvGrpSpPr>
-        <p:cNvPr id="1" name=""/>
+        <p:cNvPr id="1" name="" title=""/>
         <p:cNvGrpSpPr/>
         <p:nvPr/>
       </p:nvGrpSpPr>
@@ -659,7 +659,7 @@
       </p:grpSpPr>
       <p:sp>
         <p:nvSpPr>
-          <p:cNvPr id="2" name="Title 1"/>
+          <p:cNvPr id="2" name="Title 1" title=""/>
           <p:cNvSpPr>
             <a:spLocks noGrp="1"/>
           </p:cNvSpPr>
@@ -682,7 +682,7 @@
       </p:sp>
       <p:sp>
         <p:nvSpPr>
-          <p:cNvPr id="3" name="Vertical Text Placeholder 2"/>
+          <p:cNvPr id="3" name="Vertical Text Placeholder 2" title=""/>
           <p:cNvSpPr>
             <a:spLocks noGrp="1"/>
           </p:cNvSpPr>
@@ -733,7 +733,7 @@
       </p:sp>
       <p:sp>
         <p:nvSpPr>
-          <p:cNvPr id="4" name="Date Placeholder 3"/>
+          <p:cNvPr id="4" name="Date Placeholder 3" title=""/>
           <p:cNvSpPr>
             <a:spLocks noGrp="1"/>
           </p:cNvSpPr>
@@ -746,7 +746,7 @@
           <a:bodyPr/>
           <a:lstStyle/>
           <a:p>
-            <a:fld id="{6B2D9F0D-95ED-4E9D-A585-33B911C2ACBE}" type="datetimeFigureOut">
+            <a:fld id="{F3506E57-EB9E-4D9B-9715-5857A0899256}" type="datetimeFigureOut">
               <a:rPr lang="en-US" smtClean="0"/>
               <a:t>11/7/2009</a:t>
             </a:fld>
@@ -756,7 +756,7 @@
       </p:sp>
       <p:sp>
         <p:nvSpPr>
-          <p:cNvPr id="5" name="Footer Placeholder 4"/>
+          <p:cNvPr id="5" name="Footer Placeholder 4" title=""/>
           <p:cNvSpPr>
             <a:spLocks noGrp="1"/>
           </p:cNvSpPr>
@@ -775,7 +775,7 @@
       </p:sp>
       <p:sp>
         <p:nvSpPr>
-          <p:cNvPr id="6" name="Slide Number Placeholder 5"/>
+          <p:cNvPr id="6" name="Slide Number Placeholder 5" title=""/>
           <p:cNvSpPr>
             <a:spLocks noGrp="1"/>
           </p:cNvSpPr>
@@ -807,11 +807,11 @@
 </file>
 
 <file path=ppt/slideLayouts/slideLayout11.xml><?xml version="1.0" encoding="utf-8"?>
-<p:sldLayout xmlns:a="http://schemas.openxmlformats.org/drawingml/2006/main" xmlns:r="http://schemas.openxmlformats.org/officeDocument/2006/relationships" xmlns:p14="http://schemas.microsoft.com/office/powerpoint/2010/main" xmlns:a14="http://schemas.microsoft.com/office/drawing/2010/main" xmlns:p15="http://schemas.microsoft.com/office/powerpoint/2012/main" xmlns:p159="http://schemas.microsoft.com/office/powerpoint/2015/09/main" xmlns:p="http://schemas.openxmlformats.org/presentationml/2006/main" type="vertTitleAndTx" preserve="1">
+<p:sldLayout xmlns:a="http://schemas.openxmlformats.org/drawingml/2006/main" xmlns:r="http://schemas.openxmlformats.org/officeDocument/2006/relationships" xmlns:m="http://schemas.openxmlformats.org/officeDocument/2006/math" xmlns:w="http://schemas.openxmlformats.org/wordprocessingml/2006/main" xmlns:wp="http://schemas.openxmlformats.org/drawingml/2006/wordprocessingDrawing" xmlns:a14="http://schemas.microsoft.com/office/drawing/2010/main" xmlns:mc="http://schemas.openxmlformats.org/markup-compatibility/2006" xmlns:p14="http://schemas.microsoft.com/office/powerpoint/2010/main" xmlns:p15="http://schemas.microsoft.com/office/powerpoint/2012/main" xmlns:p159="http://schemas.microsoft.com/office/powerpoint/2015/09/main" xmlns:p="http://schemas.openxmlformats.org/presentationml/2006/main" type="vertTitleAndTx" preserve="1">
   <p:cSld name="Vertical Title and Text">
     <p:spTree>
       <p:nvGrpSpPr>
-        <p:cNvPr id="1" name=""/>
+        <p:cNvPr id="1" name="" title=""/>
         <p:cNvGrpSpPr/>
         <p:nvPr/>
       </p:nvGrpSpPr>
@@ -823,7 +823,7 @@
       </p:grpSpPr>
       <p:sp>
         <p:nvSpPr>
-          <p:cNvPr id="2" name="Vertical Title 1"/>
+          <p:cNvPr id="2" name="Vertical Title 1" title=""/>
           <p:cNvSpPr>
             <a:spLocks noGrp="1"/>
           </p:cNvSpPr>
@@ -846,7 +846,7 @@
       </p:sp>
       <p:sp>
         <p:nvSpPr>
-          <p:cNvPr id="3" name="Vertical Text Placeholder 2"/>
+          <p:cNvPr id="3" name="Vertical Text Placeholder 2" title=""/>
           <p:cNvSpPr>
             <a:spLocks noGrp="1"/>
           </p:cNvSpPr>
@@ -897,7 +897,7 @@
       </p:sp>
       <p:sp>
         <p:nvSpPr>
-          <p:cNvPr id="4" name="Date Placeholder 3"/>
+          <p:cNvPr id="4" name="Date Placeholder 3" title=""/>
           <p:cNvSpPr>
             <a:spLocks noGrp="1"/>
           </p:cNvSpPr>
@@ -910,7 +910,7 @@
           <a:bodyPr/>
           <a:lstStyle/>
           <a:p>
-            <a:fld id="{D2264F4C-4ABA-4027-99B0-215216297430}" type="datetimeFigureOut">
+            <a:fld id="{E74C6DE9-CD9E-4482-80EE-DCD57B317C0F}" type="datetimeFigureOut">
               <a:rPr lang="en-US" smtClean="0"/>
               <a:t>11/7/2009</a:t>
             </a:fld>
@@ -920,7 +920,7 @@
       </p:sp>
       <p:sp>
         <p:nvSpPr>
-          <p:cNvPr id="5" name="Footer Placeholder 4"/>
+          <p:cNvPr id="5" name="Footer Placeholder 4" title=""/>
           <p:cNvSpPr>
             <a:spLocks noGrp="1"/>
           </p:cNvSpPr>
@@ -939,7 +939,7 @@
       </p:sp>
       <p:sp>
         <p:nvSpPr>
-          <p:cNvPr id="6" name="Slide Number Placeholder 5"/>
+          <p:cNvPr id="6" name="Slide Number Placeholder 5" title=""/>
           <p:cNvSpPr>
             <a:spLocks noGrp="1"/>
           </p:cNvSpPr>
@@ -971,11 +971,11 @@
 </file>
 
 <file path=ppt/slideLayouts/slideLayout2.xml><?xml version="1.0" encoding="utf-8"?>
-<p:sldLayout xmlns:a="http://schemas.openxmlformats.org/drawingml/2006/main" xmlns:r="http://schemas.openxmlformats.org/officeDocument/2006/relationships" xmlns:p14="http://schemas.microsoft.com/office/powerpoint/2010/main" xmlns:a14="http://schemas.microsoft.com/office/drawing/2010/main" xmlns:p15="http://schemas.microsoft.com/office/powerpoint/2012/main" xmlns:p159="http://schemas.microsoft.com/office/powerpoint/2015/09/main" xmlns:p="http://schemas.openxmlformats.org/presentationml/2006/main" type="obj" preserve="1">
+<p:sldLayout xmlns:a="http://schemas.openxmlformats.org/drawingml/2006/main" xmlns:r="http://schemas.openxmlformats.org/officeDocument/2006/relationships" xmlns:m="http://schemas.openxmlformats.org/officeDocument/2006/math" xmlns:w="http://schemas.openxmlformats.org/wordprocessingml/2006/main" xmlns:wp="http://schemas.openxmlformats.org/drawingml/2006/wordprocessingDrawing" xmlns:a14="http://schemas.microsoft.com/office/drawing/2010/main" xmlns:mc="http://schemas.openxmlformats.org/markup-compatibility/2006" xmlns:p14="http://schemas.microsoft.com/office/powerpoint/2010/main" xmlns:p15="http://schemas.microsoft.com/office/powerpoint/2012/main" xmlns:p159="http://schemas.microsoft.com/office/powerpoint/2015/09/main" xmlns:p="http://schemas.openxmlformats.org/presentationml/2006/main" type="obj" preserve="1">
   <p:cSld name="Title and Content">
     <p:spTree>
       <p:nvGrpSpPr>
-        <p:cNvPr id="1" name=""/>
+        <p:cNvPr id="1" name="" title=""/>
         <p:cNvGrpSpPr/>
         <p:nvPr/>
       </p:nvGrpSpPr>
@@ -987,7 +987,7 @@
       </p:grpSpPr>
       <p:sp>
         <p:nvSpPr>
-          <p:cNvPr id="2" name="Title 1"/>
+          <p:cNvPr id="2" name="Title 1" title=""/>
           <p:cNvSpPr>
             <a:spLocks noGrp="1"/>
           </p:cNvSpPr>
@@ -1010,7 +1010,7 @@
       </p:sp>
       <p:sp>
         <p:nvSpPr>
-          <p:cNvPr id="3" name="Content Placeholder 2"/>
+          <p:cNvPr id="3" name="Content Placeholder 2" title=""/>
           <p:cNvSpPr>
             <a:spLocks noGrp="1"/>
           </p:cNvSpPr>
@@ -1061,7 +1061,7 @@
       </p:sp>
       <p:sp>
         <p:nvSpPr>
-          <p:cNvPr id="4" name="Date Placeholder 3"/>
+          <p:cNvPr id="4" name="Date Placeholder 3" title=""/>
           <p:cNvSpPr>
             <a:spLocks noGrp="1"/>
           </p:cNvSpPr>
@@ -1074,7 +1074,7 @@
           <a:bodyPr/>
           <a:lstStyle/>
           <a:p>
-            <a:fld id="{7BC3310B-39CE-4934-B74B-4591FA3854BB}" type="datetimeFigureOut">
+            <a:fld id="{784A7339-C0AE-406F-AEB2-886336F1ECC1}" type="datetimeFigureOut">
               <a:rPr lang="en-US" smtClean="0"/>
               <a:t>11/7/2009</a:t>
             </a:fld>
@@ -1084,7 +1084,7 @@
       </p:sp>
       <p:sp>
         <p:nvSpPr>
-          <p:cNvPr id="5" name="Footer Placeholder 4"/>
+          <p:cNvPr id="5" name="Footer Placeholder 4" title=""/>
           <p:cNvSpPr>
             <a:spLocks noGrp="1"/>
           </p:cNvSpPr>
@@ -1103,7 +1103,7 @@
       </p:sp>
       <p:sp>
         <p:nvSpPr>
-          <p:cNvPr id="6" name="Slide Number Placeholder 5"/>
+          <p:cNvPr id="6" name="Slide Number Placeholder 5" title=""/>
           <p:cNvSpPr>
             <a:spLocks noGrp="1"/>
           </p:cNvSpPr>
@@ -1135,11 +1135,11 @@
 </file>
 
 <file path=ppt/slideLayouts/slideLayout3.xml><?xml version="1.0" encoding="utf-8"?>
-<p:sldLayout xmlns:a="http://schemas.openxmlformats.org/drawingml/2006/main" xmlns:r="http://schemas.openxmlformats.org/officeDocument/2006/relationships" xmlns:p14="http://schemas.microsoft.com/office/powerpoint/2010/main" xmlns:a14="http://schemas.microsoft.com/office/drawing/2010/main" xmlns:p15="http://schemas.microsoft.com/office/powerpoint/2012/main" xmlns:p159="http://schemas.microsoft.com/office/powerpoint/2015/09/main" xmlns:p="http://schemas.openxmlformats.org/presentationml/2006/main" type="secHead" preserve="1">
+<p:sldLayout xmlns:a="http://schemas.openxmlformats.org/drawingml/2006/main" xmlns:r="http://schemas.openxmlformats.org/officeDocument/2006/relationships" xmlns:m="http://schemas.openxmlformats.org/officeDocument/2006/math" xmlns:w="http://schemas.openxmlformats.org/wordprocessingml/2006/main" xmlns:wp="http://schemas.openxmlformats.org/drawingml/2006/wordprocessingDrawing" xmlns:a14="http://schemas.microsoft.com/office/drawing/2010/main" xmlns:mc="http://schemas.openxmlformats.org/markup-compatibility/2006" xmlns:p14="http://schemas.microsoft.com/office/powerpoint/2010/main" xmlns:p15="http://schemas.microsoft.com/office/powerpoint/2012/main" xmlns:p159="http://schemas.microsoft.com/office/powerpoint/2015/09/main" xmlns:p="http://schemas.openxmlformats.org/presentationml/2006/main" type="secHead" preserve="1">
   <p:cSld name="Section Header">
     <p:spTree>
       <p:nvGrpSpPr>
-        <p:cNvPr id="1" name=""/>
+        <p:cNvPr id="1" name="" title=""/>
         <p:cNvGrpSpPr/>
         <p:nvPr/>
       </p:nvGrpSpPr>
@@ -1151,7 +1151,7 @@
       </p:grpSpPr>
       <p:sp>
         <p:nvSpPr>
-          <p:cNvPr id="2" name="Title 1"/>
+          <p:cNvPr id="2" name="Title 1" title=""/>
           <p:cNvSpPr>
             <a:spLocks noGrp="1"/>
           </p:cNvSpPr>
@@ -1178,7 +1178,7 @@
       </p:sp>
       <p:sp>
         <p:nvSpPr>
-          <p:cNvPr id="3" name="Text Placeholder 2"/>
+          <p:cNvPr id="3" name="Text Placeholder 2" title=""/>
           <p:cNvSpPr>
             <a:spLocks noGrp="1"/>
           </p:cNvSpPr>
@@ -1291,7 +1291,7 @@
       </p:sp>
       <p:sp>
         <p:nvSpPr>
-          <p:cNvPr id="4" name="Date Placeholder 3"/>
+          <p:cNvPr id="4" name="Date Placeholder 3" title=""/>
           <p:cNvSpPr>
             <a:spLocks noGrp="1"/>
           </p:cNvSpPr>
@@ -1304,7 +1304,7 @@
           <a:bodyPr/>
           <a:lstStyle/>
           <a:p>
-            <a:fld id="{910F808A-85F2-43F6-836B-5344F51ACB67}" type="datetimeFigureOut">
+            <a:fld id="{EEE3E67D-601A-4A07-B3F0-B62E53BC42C2}" type="datetimeFigureOut">
               <a:rPr lang="en-US" smtClean="0"/>
               <a:t>11/7/2009</a:t>
             </a:fld>
@@ -1314,7 +1314,7 @@
       </p:sp>
       <p:sp>
         <p:nvSpPr>
-          <p:cNvPr id="5" name="Footer Placeholder 4"/>
+          <p:cNvPr id="5" name="Footer Placeholder 4" title=""/>
           <p:cNvSpPr>
             <a:spLocks noGrp="1"/>
           </p:cNvSpPr>
@@ -1333,7 +1333,7 @@
       </p:sp>
       <p:sp>
         <p:nvSpPr>
-          <p:cNvPr id="6" name="Slide Number Placeholder 5"/>
+          <p:cNvPr id="6" name="Slide Number Placeholder 5" title=""/>
           <p:cNvSpPr>
             <a:spLocks noGrp="1"/>
           </p:cNvSpPr>
@@ -1365,11 +1365,11 @@
 </file>
 
 <file path=ppt/slideLayouts/slideLayout4.xml><?xml version="1.0" encoding="utf-8"?>
-<p:sldLayout xmlns:a="http://schemas.openxmlformats.org/drawingml/2006/main" xmlns:r="http://schemas.openxmlformats.org/officeDocument/2006/relationships" xmlns:p14="http://schemas.microsoft.com/office/powerpoint/2010/main" xmlns:a14="http://schemas.microsoft.com/office/drawing/2010/main" xmlns:p15="http://schemas.microsoft.com/office/powerpoint/2012/main" xmlns:p159="http://schemas.microsoft.com/office/powerpoint/2015/09/main" xmlns:p="http://schemas.openxmlformats.org/presentationml/2006/main" type="twoObj" preserve="1">
+<p:sldLayout xmlns:a="http://schemas.openxmlformats.org/drawingml/2006/main" xmlns:r="http://schemas.openxmlformats.org/officeDocument/2006/relationships" xmlns:m="http://schemas.openxmlformats.org/officeDocument/2006/math" xmlns:w="http://schemas.openxmlformats.org/wordprocessingml/2006/main" xmlns:wp="http://schemas.openxmlformats.org/drawingml/2006/wordprocessingDrawing" xmlns:a14="http://schemas.microsoft.com/office/drawing/2010/main" xmlns:mc="http://schemas.openxmlformats.org/markup-compatibility/2006" xmlns:p14="http://schemas.microsoft.com/office/powerpoint/2010/main" xmlns:p15="http://schemas.microsoft.com/office/powerpoint/2012/main" xmlns:p159="http://schemas.microsoft.com/office/powerpoint/2015/09/main" xmlns:p="http://schemas.openxmlformats.org/presentationml/2006/main" type="twoObj" preserve="1">
   <p:cSld name="Two Content">
     <p:spTree>
       <p:nvGrpSpPr>
-        <p:cNvPr id="1" name=""/>
+        <p:cNvPr id="1" name="" title=""/>
         <p:cNvGrpSpPr/>
         <p:nvPr/>
       </p:nvGrpSpPr>
@@ -1381,7 +1381,7 @@
       </p:grpSpPr>
       <p:sp>
         <p:nvSpPr>
-          <p:cNvPr id="2" name="Title 1"/>
+          <p:cNvPr id="2" name="Title 1" title=""/>
           <p:cNvSpPr>
             <a:spLocks noGrp="1"/>
           </p:cNvSpPr>
@@ -1404,7 +1404,7 @@
       </p:sp>
       <p:sp>
         <p:nvSpPr>
-          <p:cNvPr id="3" name="Content Placeholder 2"/>
+          <p:cNvPr id="3" name="Content Placeholder 2" title=""/>
           <p:cNvSpPr>
             <a:spLocks noGrp="1"/>
           </p:cNvSpPr>
@@ -1483,7 +1483,7 @@
       </p:sp>
       <p:sp>
         <p:nvSpPr>
-          <p:cNvPr id="4" name="Content Placeholder 3"/>
+          <p:cNvPr id="4" name="Content Placeholder 3" title=""/>
           <p:cNvSpPr>
             <a:spLocks noGrp="1"/>
           </p:cNvSpPr>
@@ -1562,7 +1562,7 @@
       </p:sp>
       <p:sp>
         <p:nvSpPr>
-          <p:cNvPr id="5" name="Date Placeholder 4"/>
+          <p:cNvPr id="5" name="Date Placeholder 4" title=""/>
           <p:cNvSpPr>
             <a:spLocks noGrp="1"/>
           </p:cNvSpPr>
@@ -1575,7 +1575,7 @@
           <a:bodyPr/>
           <a:lstStyle/>
           <a:p>
-            <a:fld id="{F074C235-6697-42D3-97DA-FF270450B5F6}" type="datetimeFigureOut">
+            <a:fld id="{5BDF3DCE-B635-413F-9FD3-D764003352B0}" type="datetimeFigureOut">
               <a:rPr lang="en-US" smtClean="0"/>
               <a:t>11/7/2009</a:t>
             </a:fld>
@@ -1585,7 +1585,7 @@
       </p:sp>
       <p:sp>
         <p:nvSpPr>
-          <p:cNvPr id="6" name="Footer Placeholder 5"/>
+          <p:cNvPr id="6" name="Footer Placeholder 5" title=""/>
           <p:cNvSpPr>
             <a:spLocks noGrp="1"/>
           </p:cNvSpPr>
@@ -1604,7 +1604,7 @@
       </p:sp>
       <p:sp>
         <p:nvSpPr>
-          <p:cNvPr id="7" name="Slide Number Placeholder 6"/>
+          <p:cNvPr id="7" name="Slide Number Placeholder 6" title=""/>
           <p:cNvSpPr>
             <a:spLocks noGrp="1"/>
           </p:cNvSpPr>
@@ -1636,11 +1636,11 @@
 </file>
 
 <file path=ppt/slideLayouts/slideLayout5.xml><?xml version="1.0" encoding="utf-8"?>
-<p:sldLayout xmlns:a="http://schemas.openxmlformats.org/drawingml/2006/main" xmlns:r="http://schemas.openxmlformats.org/officeDocument/2006/relationships" xmlns:p14="http://schemas.microsoft.com/office/powerpoint/2010/main" xmlns:a14="http://schemas.microsoft.com/office/drawing/2010/main" xmlns:p15="http://schemas.microsoft.com/office/powerpoint/2012/main" xmlns:p159="http://schemas.microsoft.com/office/powerpoint/2015/09/main" xmlns:p="http://schemas.openxmlformats.org/presentationml/2006/main" type="twoTxTwoObj" preserve="1">
+<p:sldLayout xmlns:a="http://schemas.openxmlformats.org/drawingml/2006/main" xmlns:r="http://schemas.openxmlformats.org/officeDocument/2006/relationships" xmlns:m="http://schemas.openxmlformats.org/officeDocument/2006/math" xmlns:w="http://schemas.openxmlformats.org/wordprocessingml/2006/main" xmlns:wp="http://schemas.openxmlformats.org/drawingml/2006/wordprocessingDrawing" xmlns:a14="http://schemas.microsoft.com/office/drawing/2010/main" xmlns:mc="http://schemas.openxmlformats.org/markup-compatibility/2006" xmlns:p14="http://schemas.microsoft.com/office/powerpoint/2010/main" xmlns:p15="http://schemas.microsoft.com/office/powerpoint/2012/main" xmlns:p159="http://schemas.microsoft.com/office/powerpoint/2015/09/main" xmlns:p="http://schemas.openxmlformats.org/presentationml/2006/main" type="twoTxTwoObj" preserve="1">
   <p:cSld name="Comparison">
     <p:spTree>
       <p:nvGrpSpPr>
-        <p:cNvPr id="1" name=""/>
+        <p:cNvPr id="1" name="" title=""/>
         <p:cNvGrpSpPr/>
         <p:nvPr/>
       </p:nvGrpSpPr>
@@ -1652,7 +1652,7 @@
       </p:grpSpPr>
       <p:sp>
         <p:nvSpPr>
-          <p:cNvPr id="2" name="Title 1"/>
+          <p:cNvPr id="2" name="Title 1" title=""/>
           <p:cNvSpPr>
             <a:spLocks noGrp="1"/>
           </p:cNvSpPr>
@@ -1675,7 +1675,7 @@
       </p:sp>
       <p:sp>
         <p:nvSpPr>
-          <p:cNvPr id="3" name="Text Placeholder 2"/>
+          <p:cNvPr id="3" name="Text Placeholder 2" title=""/>
           <p:cNvSpPr>
             <a:spLocks noGrp="1"/>
           </p:cNvSpPr>
@@ -1734,7 +1734,7 @@
       </p:sp>
       <p:sp>
         <p:nvSpPr>
-          <p:cNvPr id="4" name="Content Placeholder 3"/>
+          <p:cNvPr id="4" name="Content Placeholder 3" title=""/>
           <p:cNvSpPr>
             <a:spLocks noGrp="1"/>
           </p:cNvSpPr>
@@ -1813,7 +1813,7 @@
       </p:sp>
       <p:sp>
         <p:nvSpPr>
-          <p:cNvPr id="5" name="Text Placeholder 4"/>
+          <p:cNvPr id="5" name="Text Placeholder 4" title=""/>
           <p:cNvSpPr>
             <a:spLocks noGrp="1"/>
           </p:cNvSpPr>
@@ -1872,7 +1872,7 @@
       </p:sp>
       <p:sp>
         <p:nvSpPr>
-          <p:cNvPr id="6" name="Content Placeholder 5"/>
+          <p:cNvPr id="6" name="Content Placeholder 5" title=""/>
           <p:cNvSpPr>
             <a:spLocks noGrp="1"/>
           </p:cNvSpPr>
@@ -1951,7 +1951,7 @@
       </p:sp>
       <p:sp>
         <p:nvSpPr>
-          <p:cNvPr id="7" name="Date Placeholder 6"/>
+          <p:cNvPr id="7" name="Date Placeholder 6" title=""/>
           <p:cNvSpPr>
             <a:spLocks noGrp="1"/>
           </p:cNvSpPr>
@@ -1964,7 +1964,7 @@
           <a:bodyPr/>
           <a:lstStyle/>
           <a:p>
-            <a:fld id="{C3E16B9B-4A4F-4310-8C68-D82BC926F53D}" type="datetimeFigureOut">
+            <a:fld id="{C71D4E76-61FF-42B8-9D44-9511231ECD27}" type="datetimeFigureOut">
               <a:rPr lang="en-US" smtClean="0"/>
               <a:t>11/7/2009</a:t>
             </a:fld>
@@ -1974,7 +1974,7 @@
       </p:sp>
       <p:sp>
         <p:nvSpPr>
-          <p:cNvPr id="8" name="Footer Placeholder 7"/>
+          <p:cNvPr id="8" name="Footer Placeholder 7" title=""/>
           <p:cNvSpPr>
             <a:spLocks noGrp="1"/>
           </p:cNvSpPr>
@@ -1993,7 +1993,7 @@
       </p:sp>
       <p:sp>
         <p:nvSpPr>
-          <p:cNvPr id="9" name="Slide Number Placeholder 8"/>
+          <p:cNvPr id="9" name="Slide Number Placeholder 8" title=""/>
           <p:cNvSpPr>
             <a:spLocks noGrp="1"/>
           </p:cNvSpPr>
@@ -2025,11 +2025,11 @@
 </file>
 
 <file path=ppt/slideLayouts/slideLayout6.xml><?xml version="1.0" encoding="utf-8"?>
-<p:sldLayout xmlns:a="http://schemas.openxmlformats.org/drawingml/2006/main" xmlns:r="http://schemas.openxmlformats.org/officeDocument/2006/relationships" xmlns:p14="http://schemas.microsoft.com/office/powerpoint/2010/main" xmlns:a14="http://schemas.microsoft.com/office/drawing/2010/main" xmlns:p15="http://schemas.microsoft.com/office/powerpoint/2012/main" xmlns:p159="http://schemas.microsoft.com/office/powerpoint/2015/09/main" xmlns:p="http://schemas.openxmlformats.org/presentationml/2006/main" type="titleOnly" preserve="1">
+<p:sldLayout xmlns:a="http://schemas.openxmlformats.org/drawingml/2006/main" xmlns:r="http://schemas.openxmlformats.org/officeDocument/2006/relationships" xmlns:m="http://schemas.openxmlformats.org/officeDocument/2006/math" xmlns:w="http://schemas.openxmlformats.org/wordprocessingml/2006/main" xmlns:wp="http://schemas.openxmlformats.org/drawingml/2006/wordprocessingDrawing" xmlns:a14="http://schemas.microsoft.com/office/drawing/2010/main" xmlns:mc="http://schemas.openxmlformats.org/markup-compatibility/2006" xmlns:p14="http://schemas.microsoft.com/office/powerpoint/2010/main" xmlns:p15="http://schemas.microsoft.com/office/powerpoint/2012/main" xmlns:p159="http://schemas.microsoft.com/office/powerpoint/2015/09/main" xmlns:p="http://schemas.openxmlformats.org/presentationml/2006/main" type="titleOnly" preserve="1">
   <p:cSld name="Title Only">
     <p:spTree>
       <p:nvGrpSpPr>
-        <p:cNvPr id="1" name=""/>
+        <p:cNvPr id="1" name="" title=""/>
         <p:cNvGrpSpPr/>
         <p:nvPr/>
       </p:nvGrpSpPr>
@@ -2041,7 +2041,7 @@
       </p:grpSpPr>
       <p:sp>
         <p:nvSpPr>
-          <p:cNvPr id="2" name="Title 1"/>
+          <p:cNvPr id="2" name="Title 1" title=""/>
           <p:cNvSpPr>
             <a:spLocks noGrp="1"/>
           </p:cNvSpPr>
@@ -2064,7 +2064,7 @@
       </p:sp>
       <p:sp>
         <p:nvSpPr>
-          <p:cNvPr id="3" name="Date Placeholder 2"/>
+          <p:cNvPr id="3" name="Date Placeholder 2" title=""/>
           <p:cNvSpPr>
             <a:spLocks noGrp="1"/>
           </p:cNvSpPr>
@@ -2077,7 +2077,7 @@
           <a:bodyPr/>
           <a:lstStyle/>
           <a:p>
-            <a:fld id="{217C235F-34C2-43DE-A59E-6EEA968FCB29}" type="datetimeFigureOut">
+            <a:fld id="{7C2A387A-215E-44C6-8C97-61107C2A59BE}" type="datetimeFigureOut">
               <a:rPr lang="en-US" smtClean="0"/>
               <a:t>11/7/2009</a:t>
             </a:fld>
@@ -2087,7 +2087,7 @@
       </p:sp>
       <p:sp>
         <p:nvSpPr>
-          <p:cNvPr id="4" name="Footer Placeholder 3"/>
+          <p:cNvPr id="4" name="Footer Placeholder 3" title=""/>
           <p:cNvSpPr>
             <a:spLocks noGrp="1"/>
           </p:cNvSpPr>
@@ -2106,7 +2106,7 @@
       </p:sp>
       <p:sp>
         <p:nvSpPr>
-          <p:cNvPr id="5" name="Slide Number Placeholder 4"/>
+          <p:cNvPr id="5" name="Slide Number Placeholder 4" title=""/>
           <p:cNvSpPr>
             <a:spLocks noGrp="1"/>
           </p:cNvSpPr>
@@ -2138,11 +2138,11 @@
 </file>
 
 <file path=ppt/slideLayouts/slideLayout7.xml><?xml version="1.0" encoding="utf-8"?>
-<p:sldLayout xmlns:a="http://schemas.openxmlformats.org/drawingml/2006/main" xmlns:r="http://schemas.openxmlformats.org/officeDocument/2006/relationships" xmlns:p14="http://schemas.microsoft.com/office/powerpoint/2010/main" xmlns:a14="http://schemas.microsoft.com/office/drawing/2010/main" xmlns:p15="http://schemas.microsoft.com/office/powerpoint/2012/main" xmlns:p159="http://schemas.microsoft.com/office/powerpoint/2015/09/main" xmlns:p="http://schemas.openxmlformats.org/presentationml/2006/main" type="blank" preserve="1">
+<p:sldLayout xmlns:a="http://schemas.openxmlformats.org/drawingml/2006/main" xmlns:r="http://schemas.openxmlformats.org/officeDocument/2006/relationships" xmlns:m="http://schemas.openxmlformats.org/officeDocument/2006/math" xmlns:w="http://schemas.openxmlformats.org/wordprocessingml/2006/main" xmlns:wp="http://schemas.openxmlformats.org/drawingml/2006/wordprocessingDrawing" xmlns:a14="http://schemas.microsoft.com/office/drawing/2010/main" xmlns:mc="http://schemas.openxmlformats.org/markup-compatibility/2006" xmlns:p14="http://schemas.microsoft.com/office/powerpoint/2010/main" xmlns:p15="http://schemas.microsoft.com/office/powerpoint/2012/main" xmlns:p159="http://schemas.microsoft.com/office/powerpoint/2015/09/main" xmlns:p="http://schemas.openxmlformats.org/presentationml/2006/main" type="blank" preserve="1">
   <p:cSld name="Blank">
     <p:spTree>
       <p:nvGrpSpPr>
-        <p:cNvPr id="1" name=""/>
+        <p:cNvPr id="1" name="" title=""/>
         <p:cNvGrpSpPr/>
         <p:nvPr/>
       </p:nvGrpSpPr>
@@ -2154,7 +2154,7 @@
       </p:grpSpPr>
       <p:sp>
         <p:nvSpPr>
-          <p:cNvPr id="2" name="Date Placeholder 1"/>
+          <p:cNvPr id="2" name="Date Placeholder 1" title=""/>
           <p:cNvSpPr>
             <a:spLocks noGrp="1"/>
           </p:cNvSpPr>
@@ -2167,7 +2167,7 @@
           <a:bodyPr/>
           <a:lstStyle/>
           <a:p>
-            <a:fld id="{BA20A89D-6C1A-4965-9B7A-D91059B61679}" type="datetimeFigureOut">
+            <a:fld id="{66FC2AFE-AF18-4134-A5D8-A37D0C4BC3F3}" type="datetimeFigureOut">
               <a:rPr lang="en-US" smtClean="0"/>
               <a:t>11/7/2009</a:t>
             </a:fld>
@@ -2177,7 +2177,7 @@
       </p:sp>
       <p:sp>
         <p:nvSpPr>
-          <p:cNvPr id="3" name="Footer Placeholder 2"/>
+          <p:cNvPr id="3" name="Footer Placeholder 2" title=""/>
           <p:cNvSpPr>
             <a:spLocks noGrp="1"/>
           </p:cNvSpPr>
@@ -2196,7 +2196,7 @@
       </p:sp>
       <p:sp>
         <p:nvSpPr>
-          <p:cNvPr id="4" name="Slide Number Placeholder 3"/>
+          <p:cNvPr id="4" name="Slide Number Placeholder 3" title=""/>
           <p:cNvSpPr>
             <a:spLocks noGrp="1"/>
           </p:cNvSpPr>
@@ -2228,11 +2228,11 @@
 </file>
 
 <file path=ppt/slideLayouts/slideLayout8.xml><?xml version="1.0" encoding="utf-8"?>
-<p:sldLayout xmlns:a="http://schemas.openxmlformats.org/drawingml/2006/main" xmlns:r="http://schemas.openxmlformats.org/officeDocument/2006/relationships" xmlns:p14="http://schemas.microsoft.com/office/powerpoint/2010/main" xmlns:a14="http://schemas.microsoft.com/office/drawing/2010/main" xmlns:p15="http://schemas.microsoft.com/office/powerpoint/2012/main" xmlns:p159="http://schemas.microsoft.com/office/powerpoint/2015/09/main" xmlns:p="http://schemas.openxmlformats.org/presentationml/2006/main" type="objTx" preserve="1">
+<p:sldLayout xmlns:a="http://schemas.openxmlformats.org/drawingml/2006/main" xmlns:r="http://schemas.openxmlformats.org/officeDocument/2006/relationships" xmlns:m="http://schemas.openxmlformats.org/officeDocument/2006/math" xmlns:w="http://schemas.openxmlformats.org/wordprocessingml/2006/main" xmlns:wp="http://schemas.openxmlformats.org/drawingml/2006/wordprocessingDrawing" xmlns:a14="http://schemas.microsoft.com/office/drawing/2010/main" xmlns:mc="http://schemas.openxmlformats.org/markup-compatibility/2006" xmlns:p14="http://schemas.microsoft.com/office/powerpoint/2010/main" xmlns:p15="http://schemas.microsoft.com/office/powerpoint/2012/main" xmlns:p159="http://schemas.microsoft.com/office/powerpoint/2015/09/main" xmlns:p="http://schemas.openxmlformats.org/presentationml/2006/main" type="objTx" preserve="1">
   <p:cSld name="Content with Caption">
     <p:spTree>
       <p:nvGrpSpPr>
-        <p:cNvPr id="1" name=""/>
+        <p:cNvPr id="1" name="" title=""/>
         <p:cNvGrpSpPr/>
         <p:nvPr/>
       </p:nvGrpSpPr>
@@ -2244,7 +2244,7 @@
       </p:grpSpPr>
       <p:sp>
         <p:nvSpPr>
-          <p:cNvPr id="2" name="Title 1"/>
+          <p:cNvPr id="2" name="Title 1" title=""/>
           <p:cNvSpPr>
             <a:spLocks noGrp="1"/>
           </p:cNvSpPr>
@@ -2271,7 +2271,7 @@
       </p:sp>
       <p:sp>
         <p:nvSpPr>
-          <p:cNvPr id="3" name="Content Placeholder 2"/>
+          <p:cNvPr id="3" name="Content Placeholder 2" title=""/>
           <p:cNvSpPr>
             <a:spLocks noGrp="1"/>
           </p:cNvSpPr>
@@ -2350,7 +2350,7 @@
       </p:sp>
       <p:sp>
         <p:nvSpPr>
-          <p:cNvPr id="4" name="Text Placeholder 3"/>
+          <p:cNvPr id="4" name="Text Placeholder 3" title=""/>
           <p:cNvSpPr>
             <a:spLocks noGrp="1"/>
           </p:cNvSpPr>
@@ -2409,7 +2409,7 @@
       </p:sp>
       <p:sp>
         <p:nvSpPr>
-          <p:cNvPr id="5" name="Date Placeholder 4"/>
+          <p:cNvPr id="5" name="Date Placeholder 4" title=""/>
           <p:cNvSpPr>
             <a:spLocks noGrp="1"/>
           </p:cNvSpPr>
@@ -2422,7 +2422,7 @@
           <a:bodyPr/>
           <a:lstStyle/>
           <a:p>
-            <a:fld id="{34D21712-2941-438C-BCD0-032C46872EAE}" type="datetimeFigureOut">
+            <a:fld id="{FD3791FB-BF06-41FC-8367-D639CC6BFA18}" type="datetimeFigureOut">
               <a:rPr lang="en-US" smtClean="0"/>
               <a:t>11/7/2009</a:t>
             </a:fld>
@@ -2432,7 +2432,7 @@
       </p:sp>
       <p:sp>
         <p:nvSpPr>
-          <p:cNvPr id="6" name="Footer Placeholder 5"/>
+          <p:cNvPr id="6" name="Footer Placeholder 5" title=""/>
           <p:cNvSpPr>
             <a:spLocks noGrp="1"/>
           </p:cNvSpPr>
@@ -2451,7 +2451,7 @@
       </p:sp>
       <p:sp>
         <p:nvSpPr>
-          <p:cNvPr id="7" name="Slide Number Placeholder 6"/>
+          <p:cNvPr id="7" name="Slide Number Placeholder 6" title=""/>
           <p:cNvSpPr>
             <a:spLocks noGrp="1"/>
           </p:cNvSpPr>
@@ -2483,11 +2483,11 @@
 </file>
 
 <file path=ppt/slideLayouts/slideLayout9.xml><?xml version="1.0" encoding="utf-8"?>
-<p:sldLayout xmlns:a="http://schemas.openxmlformats.org/drawingml/2006/main" xmlns:r="http://schemas.openxmlformats.org/officeDocument/2006/relationships" xmlns:p14="http://schemas.microsoft.com/office/powerpoint/2010/main" xmlns:a14="http://schemas.microsoft.com/office/drawing/2010/main" xmlns:p15="http://schemas.microsoft.com/office/powerpoint/2012/main" xmlns:p159="http://schemas.microsoft.com/office/powerpoint/2015/09/main" xmlns:p="http://schemas.openxmlformats.org/presentationml/2006/main" type="picTx" preserve="1">
+<p:sldLayout xmlns:a="http://schemas.openxmlformats.org/drawingml/2006/main" xmlns:r="http://schemas.openxmlformats.org/officeDocument/2006/relationships" xmlns:m="http://schemas.openxmlformats.org/officeDocument/2006/math" xmlns:w="http://schemas.openxmlformats.org/wordprocessingml/2006/main" xmlns:wp="http://schemas.openxmlformats.org/drawingml/2006/wordprocessingDrawing" xmlns:a14="http://schemas.microsoft.com/office/drawing/2010/main" xmlns:mc="http://schemas.openxmlformats.org/markup-compatibility/2006" xmlns:p14="http://schemas.microsoft.com/office/powerpoint/2010/main" xmlns:p15="http://schemas.microsoft.com/office/powerpoint/2012/main" xmlns:p159="http://schemas.microsoft.com/office/powerpoint/2015/09/main" xmlns:p="http://schemas.openxmlformats.org/presentationml/2006/main" type="picTx" preserve="1">
   <p:cSld name="Picture with Caption">
     <p:spTree>
       <p:nvGrpSpPr>
-        <p:cNvPr id="1" name=""/>
+        <p:cNvPr id="1" name="" title=""/>
         <p:cNvGrpSpPr/>
         <p:nvPr/>
       </p:nvGrpSpPr>
@@ -2499,7 +2499,7 @@
       </p:grpSpPr>
       <p:sp>
         <p:nvSpPr>
-          <p:cNvPr id="2" name="Title 1"/>
+          <p:cNvPr id="2" name="Title 1" title=""/>
           <p:cNvSpPr>
             <a:spLocks noGrp="1"/>
           </p:cNvSpPr>
@@ -2526,7 +2526,7 @@
       </p:sp>
       <p:sp>
         <p:nvSpPr>
-          <p:cNvPr id="3" name="Picture Placeholder 2"/>
+          <p:cNvPr id="3" name="Picture Placeholder 2" title=""/>
           <p:cNvSpPr>
             <a:spLocks noGrp="1"/>
           </p:cNvSpPr>
@@ -2582,7 +2582,7 @@
       </p:sp>
       <p:sp>
         <p:nvSpPr>
-          <p:cNvPr id="4" name="Text Placeholder 3"/>
+          <p:cNvPr id="4" name="Text Placeholder 3" title=""/>
           <p:cNvSpPr>
             <a:spLocks noGrp="1"/>
           </p:cNvSpPr>
@@ -2641,7 +2641,7 @@
       </p:sp>
       <p:sp>
         <p:nvSpPr>
-          <p:cNvPr id="5" name="Date Placeholder 4"/>
+          <p:cNvPr id="5" name="Date Placeholder 4" title=""/>
           <p:cNvSpPr>
             <a:spLocks noGrp="1"/>
           </p:cNvSpPr>
@@ -2654,7 +2654,7 @@
           <a:bodyPr/>
           <a:lstStyle/>
           <a:p>
-            <a:fld id="{FD0EBA00-83AD-4866-8CDC-82E98CF65F51}" type="datetimeFigureOut">
+            <a:fld id="{3A06E91E-455E-4D56-9F7B-98750C7094E9}" type="datetimeFigureOut">
               <a:rPr lang="en-US" smtClean="0"/>
               <a:t>11/7/2009</a:t>
             </a:fld>
@@ -2664,7 +2664,7 @@
       </p:sp>
       <p:sp>
         <p:nvSpPr>
-          <p:cNvPr id="6" name="Footer Placeholder 5"/>
+          <p:cNvPr id="6" name="Footer Placeholder 5" title=""/>
           <p:cNvSpPr>
             <a:spLocks noGrp="1"/>
           </p:cNvSpPr>
@@ -2683,7 +2683,7 @@
       </p:sp>
       <p:sp>
         <p:nvSpPr>
-          <p:cNvPr id="7" name="Slide Number Placeholder 6"/>
+          <p:cNvPr id="7" name="Slide Number Placeholder 6" title=""/>
           <p:cNvSpPr>
             <a:spLocks noGrp="1"/>
           </p:cNvSpPr>
@@ -2715,7 +2715,7 @@
 </file>
 
 <file path=ppt/slideMasters/slideMaster1.xml><?xml version="1.0" encoding="utf-8"?>
-<p:sldMaster xmlns:a="http://schemas.openxmlformats.org/drawingml/2006/main" xmlns:r="http://schemas.openxmlformats.org/officeDocument/2006/relationships" xmlns:p14="http://schemas.microsoft.com/office/powerpoint/2010/main" xmlns:a14="http://schemas.microsoft.com/office/drawing/2010/main" xmlns:p15="http://schemas.microsoft.com/office/powerpoint/2012/main" xmlns:p159="http://schemas.microsoft.com/office/powerpoint/2015/09/main" xmlns:p="http://schemas.openxmlformats.org/presentationml/2006/main">
+<p:sldMaster xmlns:a="http://schemas.openxmlformats.org/drawingml/2006/main" xmlns:r="http://schemas.openxmlformats.org/officeDocument/2006/relationships" xmlns:m="http://schemas.openxmlformats.org/officeDocument/2006/math" xmlns:w="http://schemas.openxmlformats.org/wordprocessingml/2006/main" xmlns:wp="http://schemas.openxmlformats.org/drawingml/2006/wordprocessingDrawing" xmlns:a14="http://schemas.microsoft.com/office/drawing/2010/main" xmlns:mc="http://schemas.openxmlformats.org/markup-compatibility/2006" xmlns:p14="http://schemas.microsoft.com/office/powerpoint/2010/main" xmlns:p15="http://schemas.microsoft.com/office/powerpoint/2012/main" xmlns:p159="http://schemas.microsoft.com/office/powerpoint/2015/09/main" xmlns:p="http://schemas.openxmlformats.org/presentationml/2006/main">
   <p:cSld>
     <p:bg>
       <p:bgRef idx="1001">
@@ -2724,7 +2724,7 @@
     </p:bg>
     <p:spTree>
       <p:nvGrpSpPr>
-        <p:cNvPr id="1" name=""/>
+        <p:cNvPr id="1" name="" title=""/>
         <p:cNvGrpSpPr/>
         <p:nvPr/>
       </p:nvGrpSpPr>
@@ -2736,7 +2736,7 @@
       </p:grpSpPr>
       <p:sp>
         <p:nvSpPr>
-          <p:cNvPr id="2" name="Title Placeholder 1"/>
+          <p:cNvPr id="2" name="Title Placeholder 1" title=""/>
           <p:cNvSpPr>
             <a:spLocks noGrp="1"/>
           </p:cNvSpPr>
@@ -2769,7 +2769,7 @@
       </p:sp>
       <p:sp>
         <p:nvSpPr>
-          <p:cNvPr id="3" name="Text Placeholder 2"/>
+          <p:cNvPr id="3" name="Text Placeholder 2" title=""/>
           <p:cNvSpPr>
             <a:spLocks noGrp="1"/>
           </p:cNvSpPr>
@@ -2830,7 +2830,7 @@
       </p:sp>
       <p:sp>
         <p:nvSpPr>
-          <p:cNvPr id="4" name="Date Placeholder 3"/>
+          <p:cNvPr id="4" name="Date Placeholder 3" title=""/>
           <p:cNvSpPr>
             <a:spLocks noGrp="1"/>
           </p:cNvSpPr>
@@ -2871,7 +2871,7 @@
       </p:sp>
       <p:sp>
         <p:nvSpPr>
-          <p:cNvPr id="5" name="Footer Placeholder 4"/>
+          <p:cNvPr id="5" name="Footer Placeholder 4" title=""/>
           <p:cNvSpPr>
             <a:spLocks noGrp="1"/>
           </p:cNvSpPr>
@@ -2908,7 +2908,7 @@
       </p:sp>
       <p:sp>
         <p:nvSpPr>
-          <p:cNvPr id="6" name="Slide Number Placeholder 5"/>
+          <p:cNvPr id="6" name="Slide Number Placeholder 5" title=""/>
           <p:cNvSpPr>
             <a:spLocks noGrp="1"/>
           </p:cNvSpPr>
@@ -3219,11 +3219,11 @@
 </file>
 
 <file path=ppt/slides/slide1.xml><?xml version="1.0" encoding="utf-8"?>
-<p:sld xmlns:a="http://schemas.openxmlformats.org/drawingml/2006/main" xmlns:r="http://schemas.openxmlformats.org/officeDocument/2006/relationships" xmlns:p14="http://schemas.microsoft.com/office/powerpoint/2010/main" xmlns:a14="http://schemas.microsoft.com/office/drawing/2010/main" xmlns:p15="http://schemas.microsoft.com/office/powerpoint/2012/main" xmlns:p159="http://schemas.microsoft.com/office/powerpoint/2015/09/main" xmlns:p="http://schemas.openxmlformats.org/presentationml/2006/main">
+<p:sld xmlns:a="http://schemas.openxmlformats.org/drawingml/2006/main" xmlns:r="http://schemas.openxmlformats.org/officeDocument/2006/relationships" xmlns:m="http://schemas.openxmlformats.org/officeDocument/2006/math" xmlns:w="http://schemas.openxmlformats.org/wordprocessingml/2006/main" xmlns:wp="http://schemas.openxmlformats.org/drawingml/2006/wordprocessingDrawing" xmlns:a14="http://schemas.microsoft.com/office/drawing/2010/main" xmlns:mc="http://schemas.openxmlformats.org/markup-compatibility/2006" xmlns:p14="http://schemas.microsoft.com/office/powerpoint/2010/main" xmlns:p15="http://schemas.microsoft.com/office/powerpoint/2012/main" xmlns:p159="http://schemas.microsoft.com/office/powerpoint/2015/09/main" xmlns:p="http://schemas.openxmlformats.org/presentationml/2006/main">
   <p:cSld name="">
     <p:spTree>
       <p:nvGrpSpPr>
-        <p:cNvPr id="1" name=""/>
+        <p:cNvPr id="1" name="" title=""/>
         <p:cNvGrpSpPr/>
         <p:nvPr/>
       </p:nvGrpSpPr>
@@ -3235,7 +3235,7 @@
       </p:grpSpPr>
       <p:graphicFrame>
         <p:nvGraphicFramePr>
-          <p:cNvPr id="2" name="ChartObject"/>
+          <p:cNvPr id="2" name="ChartObject" title=""/>
           <p:cNvGraphicFramePr/>
           <p:nvPr/>
         </p:nvGraphicFramePr>
@@ -3249,6 +3249,77 @@
           </a:graphicData>
         </a:graphic>
       </p:graphicFrame>
+      <p:sp>
+        <p:nvSpPr>
+          <p:cNvPr id="3" name="TextBox"/>
+          <p:cNvSpPr txBox="1">
+            <a:spLocks noGrp="1" noSelect="1" noRot="1" noMove="1"/>
+          </p:cNvSpPr>
+          <p:nvPr/>
+        </p:nvSpPr>
+        <p:spPr>
+          <a:xfrm>
+            <a:off x="1366520" y="2644140"/>
+            <a:ext cx="6411372" cy="1569660"/>
+          </a:xfrm>
+          <a:prstGeom prst="rect">
+            <a:avLst/>
+          </a:prstGeom>
+          <a:noFill/>
+        </p:spPr>
+        <p:txBody>
+          <a:bodyPr wrap="none" rtlCol="0" anchor="ctr" anchorCtr="1">
+            <a:spAutoFit/>
+          </a:bodyPr>
+          <a:lstStyle>
+            <a:lvl1pPr algn="l">
+              <a:lnSpc>
+                <a:spcPct val="150000"/>
+              </a:lnSpc>
+              <a:spcBef>
+                <a:spcPct val="0"/>
+              </a:spcBef>
+              <a:spcAft>
+                <a:spcPct val="0"/>
+              </a:spcAft>
+              <a:defRPr lang="en-US" sz="3200" b="1" noProof="1" dirty="0">
+                <a:solidFill>
+                  <a:prstClr val="red">
+                    <a:lumOff val="30000"/>
+                    <a:alpha val="40000"/>
+                  </a:prstClr>
+                </a:solidFill>
+                <a:effectLst>
+                  <a:outerShdw blurRad="50800" dist="38100" algn="tr" rotWithShape="0">
+                    <a:prstClr val="black">
+                      <a:alpha val="80000"/>
+                    </a:prstClr>
+                  </a:outerShdw>
+                </a:effectLst>
+                <a:latin typeface="Calibri" pitchFamily="34" charset="0"/>
+              </a:defRPr>
+            </a:lvl1pPr>
+          </a:lstStyle>
+          <a:p>
+            <a:pPr algn="ctr"/>
+            <a:r>
+              <a:t>Evaluation only.</a:t>
+            </a:r>
+          </a:p>
+          <a:p>
+            <a:pPr algn="ctr"/>
+            <a:r>
+              <a:t>Created with Aspose.Slides for .NET 4.0 Client Profile 21.12.</a:t>
+            </a:r>
+          </a:p>
+          <a:p>
+            <a:pPr algn="ctr"/>
+            <a:r>
+              <a:t>Copyright 2004-2021Aspose Pty Ltd.</a:t>
+            </a:r>
+          </a:p>
+        </p:txBody>
+      </p:sp>
     </p:spTree>
   </p:cSld>
   <p:clrMapOvr>
@@ -3262,10 +3333,10 @@
 <file path=ppt/tags/tag1.xml><?xml version="1.0" encoding="utf-8"?>
 <p:tagLst xmlns:p="http://schemas.openxmlformats.org/presentationml/2006/main">
   <p:tag name="AS_NET" val="4.0.30319.42000"/>
-  <p:tag name="AS_OS" val="Microsoft Windows NT 6.2.9200.0"/>
-  <p:tag name="AS_RELEASE_DATE" val="2019.06.14"/>
+  <p:tag name="AS_OS" val="Microsoft Windows NT 6.3.9600.0"/>
+  <p:tag name="AS_RELEASE_DATE" val="2021.12.14"/>
   <p:tag name="AS_TITLE" val="Aspose.Slides for .NET 4.0 Client Profile"/>
-  <p:tag name="AS_VERSION" val="19.6"/>
+  <p:tag name="AS_VERSION" val="21.12"/>
 </p:tagLst>
 </file>
 
